--- a/data/mock_data/template_compatibility_ppt.pptx
+++ b/data/mock_data/template_compatibility_ppt.pptx
@@ -3197,7 +3197,7 @@
           <a:p/>
           <a:p>
             <a:r>
-              <a:t>Is Public? {{ is_public | format_bool('truefalse') }}</a:t>
+              <a:t>Is Public? {{ is_public | format_bool('check') }}</a:t>
             </a:r>
           </a:p>
           <a:p>
